--- a/HTML&JS&CSS_SEIDEL_GRAF.pptx
+++ b/HTML&JS&CSS_SEIDEL_GRAF.pptx
@@ -6322,7 +6322,7 @@
               <a:rPr lang="cs-CZ" dirty="0">
                 <a:latin typeface="Rockwell Nova" panose="02060503020205020403" pitchFamily="18" charset="0"/>
               </a:rPr>
-              <a:t> (Poskytuje textový návod uvnitř prázdného vstupního pole)</a:t>
+              <a:t> (Poskytuje příklad hodnoty uvnitř prázdného vstupního pole)</a:t>
             </a:r>
             <a:endParaRPr lang="en-US" dirty="0">
               <a:latin typeface="Rockwell Nova" panose="02060503020205020403" pitchFamily="18" charset="0"/>
@@ -6443,19 +6443,7 @@
               <a:rPr lang="cs-CZ" dirty="0">
                 <a:latin typeface="Rockwell Nova" panose="02060503020205020403" pitchFamily="18" charset="0"/>
               </a:rPr>
-              <a:t> (Určuje kódování </a:t>
-            </a:r>
-            <a:r>
-              <a:rPr lang="cs-CZ" dirty="0" err="1">
-                <a:latin typeface="Rockwell Nova" panose="02060503020205020403" pitchFamily="18" charset="0"/>
-              </a:rPr>
-              <a:t>zanků</a:t>
-            </a:r>
-            <a:r>
-              <a:rPr lang="cs-CZ" dirty="0">
-                <a:latin typeface="Rockwell Nova" panose="02060503020205020403" pitchFamily="18" charset="0"/>
-              </a:rPr>
-              <a:t> dokumentu)</a:t>
+              <a:t> (Určuje kódování znaků dokumentu)</a:t>
             </a:r>
           </a:p>
           <a:p>
@@ -8194,17 +8182,8 @@
               <a:rPr lang="cs-CZ" dirty="0">
                 <a:latin typeface="Rockwell Nova" panose="02060503020205020403" pitchFamily="18" charset="0"/>
               </a:rPr>
-              <a:t>Proměnné: Používány k ukládání a manipulování </a:t>
-            </a:r>
-            <a:r>
-              <a:rPr lang="cs-CZ" dirty="0" err="1">
-                <a:latin typeface="Rockwell Nova" panose="02060503020205020403" pitchFamily="18" charset="0"/>
-              </a:rPr>
-              <a:t>shodnotami</a:t>
-            </a:r>
-            <a:endParaRPr lang="cs-CZ" dirty="0">
-              <a:latin typeface="Rockwell Nova" panose="02060503020205020403" pitchFamily="18" charset="0"/>
-            </a:endParaRPr>
+              <a:t>Proměnné: Používány k ukládání a manipulování s hodnotami</a:t>
+            </a:r>
           </a:p>
           <a:p>
             <a:pPr>
@@ -9548,6 +9527,197 @@
                                   </p:childTnLst>
                                 </p:cTn>
                               </p:par>
+                              <p:par>
+                                <p:cTn id="26" presetID="26" presetClass="emph" presetSubtype="0" fill="hold" nodeType="withEffect">
+                                  <p:stCondLst>
+                                    <p:cond delay="0"/>
+                                  </p:stCondLst>
+                                  <p:childTnLst>
+                                    <p:animEffect transition="out" filter="fade">
+                                      <p:cBhvr>
+                                        <p:cTn id="27" dur="500" tmFilter="0, 0; .2, .5; .8, .5; 1, 0"/>
+                                        <p:tgtEl>
+                                          <p:spTgt spid="5"/>
+                                        </p:tgtEl>
+                                      </p:cBhvr>
+                                    </p:animEffect>
+                                    <p:animScale>
+                                      <p:cBhvr>
+                                        <p:cTn id="28" dur="250" autoRev="1" fill="hold"/>
+                                        <p:tgtEl>
+                                          <p:spTgt spid="5"/>
+                                        </p:tgtEl>
+                                      </p:cBhvr>
+                                      <p:by x="105000" y="105000"/>
+                                    </p:animScale>
+                                  </p:childTnLst>
+                                </p:cTn>
+                              </p:par>
+                              <p:par>
+                                <p:cTn id="29" presetID="8" presetClass="emph" presetSubtype="0" fill="hold" nodeType="withEffect">
+                                  <p:stCondLst>
+                                    <p:cond delay="0"/>
+                                  </p:stCondLst>
+                                  <p:childTnLst>
+                                    <p:animRot by="21600000">
+                                      <p:cBhvr>
+                                        <p:cTn id="30" dur="1000" fill="hold"/>
+                                        <p:tgtEl>
+                                          <p:spTgt spid="5"/>
+                                        </p:tgtEl>
+                                        <p:attrNameLst>
+                                          <p:attrName>r</p:attrName>
+                                        </p:attrNameLst>
+                                      </p:cBhvr>
+                                    </p:animRot>
+                                  </p:childTnLst>
+                                </p:cTn>
+                              </p:par>
+                              <p:par>
+                                <p:cTn id="31" presetID="14" presetClass="entr" presetSubtype="10" fill="hold" nodeType="withEffect">
+                                  <p:stCondLst>
+                                    <p:cond delay="0"/>
+                                  </p:stCondLst>
+                                  <p:childTnLst>
+                                    <p:set>
+                                      <p:cBhvr>
+                                        <p:cTn id="32" dur="1" fill="hold">
+                                          <p:stCondLst>
+                                            <p:cond delay="0"/>
+                                          </p:stCondLst>
+                                        </p:cTn>
+                                        <p:tgtEl>
+                                          <p:spTgt spid="5"/>
+                                        </p:tgtEl>
+                                        <p:attrNameLst>
+                                          <p:attrName>style.visibility</p:attrName>
+                                        </p:attrNameLst>
+                                      </p:cBhvr>
+                                      <p:to>
+                                        <p:strVal val="visible"/>
+                                      </p:to>
+                                    </p:set>
+                                    <p:animEffect transition="in" filter="randombar(horizontal)">
+                                      <p:cBhvr>
+                                        <p:cTn id="33" dur="500"/>
+                                        <p:tgtEl>
+                                          <p:spTgt spid="5"/>
+                                        </p:tgtEl>
+                                      </p:cBhvr>
+                                    </p:animEffect>
+                                  </p:childTnLst>
+                                </p:cTn>
+                              </p:par>
+                              <p:par>
+                                <p:cTn id="34" presetID="32" presetClass="emph" presetSubtype="0" fill="hold" nodeType="withEffect">
+                                  <p:stCondLst>
+                                    <p:cond delay="1900"/>
+                                  </p:stCondLst>
+                                  <p:childTnLst>
+                                    <p:animRot by="120000">
+                                      <p:cBhvr>
+                                        <p:cTn id="35" dur="100" fill="hold">
+                                          <p:stCondLst>
+                                            <p:cond delay="0"/>
+                                          </p:stCondLst>
+                                        </p:cTn>
+                                        <p:tgtEl>
+                                          <p:spTgt spid="5"/>
+                                        </p:tgtEl>
+                                        <p:attrNameLst>
+                                          <p:attrName>r</p:attrName>
+                                        </p:attrNameLst>
+                                      </p:cBhvr>
+                                    </p:animRot>
+                                    <p:animRot by="-240000">
+                                      <p:cBhvr>
+                                        <p:cTn id="36" dur="200" fill="hold">
+                                          <p:stCondLst>
+                                            <p:cond delay="200"/>
+                                          </p:stCondLst>
+                                        </p:cTn>
+                                        <p:tgtEl>
+                                          <p:spTgt spid="5"/>
+                                        </p:tgtEl>
+                                        <p:attrNameLst>
+                                          <p:attrName>r</p:attrName>
+                                        </p:attrNameLst>
+                                      </p:cBhvr>
+                                    </p:animRot>
+                                    <p:animRot by="240000">
+                                      <p:cBhvr>
+                                        <p:cTn id="37" dur="200" fill="hold">
+                                          <p:stCondLst>
+                                            <p:cond delay="400"/>
+                                          </p:stCondLst>
+                                        </p:cTn>
+                                        <p:tgtEl>
+                                          <p:spTgt spid="5"/>
+                                        </p:tgtEl>
+                                        <p:attrNameLst>
+                                          <p:attrName>r</p:attrName>
+                                        </p:attrNameLst>
+                                      </p:cBhvr>
+                                    </p:animRot>
+                                    <p:animRot by="-240000">
+                                      <p:cBhvr>
+                                        <p:cTn id="38" dur="200" fill="hold">
+                                          <p:stCondLst>
+                                            <p:cond delay="600"/>
+                                          </p:stCondLst>
+                                        </p:cTn>
+                                        <p:tgtEl>
+                                          <p:spTgt spid="5"/>
+                                        </p:tgtEl>
+                                        <p:attrNameLst>
+                                          <p:attrName>r</p:attrName>
+                                        </p:attrNameLst>
+                                      </p:cBhvr>
+                                    </p:animRot>
+                                    <p:animRot by="120000">
+                                      <p:cBhvr>
+                                        <p:cTn id="39" dur="200" fill="hold">
+                                          <p:stCondLst>
+                                            <p:cond delay="800"/>
+                                          </p:stCondLst>
+                                        </p:cTn>
+                                        <p:tgtEl>
+                                          <p:spTgt spid="5"/>
+                                        </p:tgtEl>
+                                        <p:attrNameLst>
+                                          <p:attrName>r</p:attrName>
+                                        </p:attrNameLst>
+                                      </p:cBhvr>
+                                    </p:animRot>
+                                  </p:childTnLst>
+                                </p:cTn>
+                              </p:par>
+                              <p:par>
+                                <p:cTn id="40" presetID="26" presetClass="emph" presetSubtype="0" fill="hold" nodeType="withEffect">
+                                  <p:stCondLst>
+                                    <p:cond delay="7300"/>
+                                  </p:stCondLst>
+                                  <p:childTnLst>
+                                    <p:animEffect transition="out" filter="fade">
+                                      <p:cBhvr>
+                                        <p:cTn id="41" dur="500" tmFilter="0, 0; .2, .5; .8, .5; 1, 0"/>
+                                        <p:tgtEl>
+                                          <p:spTgt spid="5"/>
+                                        </p:tgtEl>
+                                      </p:cBhvr>
+                                    </p:animEffect>
+                                    <p:animScale>
+                                      <p:cBhvr>
+                                        <p:cTn id="42" dur="250" autoRev="1" fill="hold"/>
+                                        <p:tgtEl>
+                                          <p:spTgt spid="5"/>
+                                        </p:tgtEl>
+                                      </p:cBhvr>
+                                      <p:by x="105000" y="105000"/>
+                                    </p:animScale>
+                                  </p:childTnLst>
+                                </p:cTn>
+                              </p:par>
                             </p:childTnLst>
                           </p:cTn>
                         </p:par>
@@ -10913,7 +11083,7 @@
               <a:rPr lang="cs-CZ" dirty="0">
                 <a:latin typeface="Rockwell Nova" panose="02060503020205020403" pitchFamily="18" charset="0"/>
               </a:rPr>
-              <a:t>&gt;</a:t>
+              <a:t>&gt; (Obrázek)</a:t>
             </a:r>
           </a:p>
           <a:p>
@@ -10921,7 +11091,7 @@
               <a:rPr lang="cs-CZ" dirty="0">
                 <a:latin typeface="Rockwell Nova" panose="02060503020205020403" pitchFamily="18" charset="0"/>
               </a:rPr>
-              <a:t>&lt;audio&gt;</a:t>
+              <a:t>&lt;audio&gt; (Audio)</a:t>
             </a:r>
           </a:p>
           <a:p>
@@ -10929,7 +11099,7 @@
               <a:rPr lang="cs-CZ" dirty="0">
                 <a:latin typeface="Rockwell Nova" panose="02060503020205020403" pitchFamily="18" charset="0"/>
               </a:rPr>
-              <a:t>&lt;video&gt;</a:t>
+              <a:t>&lt;video&gt; (Video)</a:t>
             </a:r>
             <a:endParaRPr lang="en-US" dirty="0">
               <a:latin typeface="Rockwell Nova" panose="02060503020205020403" pitchFamily="18" charset="0"/>
@@ -11075,7 +11245,7 @@
               <a:rPr lang="cs-CZ" dirty="0">
                 <a:latin typeface="Rockwell Nova" panose="02060503020205020403" pitchFamily="18" charset="0"/>
               </a:rPr>
-              <a:t> (Poskytuje dodatečná textový popis)</a:t>
+              <a:t> (Poskytuje dodatečný textový popis)</a:t>
             </a:r>
           </a:p>
           <a:p>
